--- a/ppt/学习总结-20220601-08.pptx
+++ b/ppt/学习总结-20220601-08.pptx
@@ -253,7 +253,7 @@
           <a:p>
             <a:fld id="{48A87A34-81AB-432B-8DAE-1953F412C126}" type="datetimeFigureOut">
               <a:rPr lang="en-US" dirty="0"/>
-              <a:t>6/7/2022</a:t>
+              <a:t>6/8/2022</a:t>
             </a:fld>
             <a:endParaRPr lang="en-US" dirty="0"/>
           </a:p>
@@ -459,7 +459,7 @@
           <a:p>
             <a:fld id="{48A87A34-81AB-432B-8DAE-1953F412C126}" type="datetimeFigureOut">
               <a:rPr lang="en-US" dirty="0"/>
-              <a:t>6/7/2022</a:t>
+              <a:t>6/8/2022</a:t>
             </a:fld>
             <a:endParaRPr lang="en-US" dirty="0"/>
           </a:p>
@@ -669,7 +669,7 @@
           <a:p>
             <a:fld id="{48A87A34-81AB-432B-8DAE-1953F412C126}" type="datetimeFigureOut">
               <a:rPr lang="en-US" dirty="0"/>
-              <a:t>6/7/2022</a:t>
+              <a:t>6/8/2022</a:t>
             </a:fld>
             <a:endParaRPr lang="en-US" dirty="0"/>
           </a:p>
@@ -865,7 +865,7 @@
           <a:p>
             <a:fld id="{48A87A34-81AB-432B-8DAE-1953F412C126}" type="datetimeFigureOut">
               <a:rPr lang="en-US" dirty="0"/>
-              <a:t>6/7/2022</a:t>
+              <a:t>6/8/2022</a:t>
             </a:fld>
             <a:endParaRPr lang="en-US" dirty="0"/>
           </a:p>
@@ -1139,7 +1139,7 @@
           <a:p>
             <a:fld id="{48A87A34-81AB-432B-8DAE-1953F412C126}" type="datetimeFigureOut">
               <a:rPr lang="en-US" dirty="0"/>
-              <a:t>6/7/2022</a:t>
+              <a:t>6/8/2022</a:t>
             </a:fld>
             <a:endParaRPr lang="en-US" dirty="0"/>
           </a:p>
@@ -1402,7 +1402,7 @@
           <a:p>
             <a:fld id="{48A87A34-81AB-432B-8DAE-1953F412C126}" type="datetimeFigureOut">
               <a:rPr lang="en-US" dirty="0"/>
-              <a:t>6/7/2022</a:t>
+              <a:t>6/8/2022</a:t>
             </a:fld>
             <a:endParaRPr lang="en-US" dirty="0"/>
           </a:p>
@@ -1813,7 +1813,7 @@
           <a:p>
             <a:fld id="{48A87A34-81AB-432B-8DAE-1953F412C126}" type="datetimeFigureOut">
               <a:rPr lang="en-US" dirty="0"/>
-              <a:t>6/7/2022</a:t>
+              <a:t>6/8/2022</a:t>
             </a:fld>
             <a:endParaRPr lang="en-US" dirty="0"/>
           </a:p>
@@ -1957,7 +1957,7 @@
           <a:p>
             <a:fld id="{48A87A34-81AB-432B-8DAE-1953F412C126}" type="datetimeFigureOut">
               <a:rPr lang="en-US" dirty="0"/>
-              <a:t>6/7/2022</a:t>
+              <a:t>6/8/2022</a:t>
             </a:fld>
             <a:endParaRPr lang="en-US" dirty="0"/>
           </a:p>
@@ -2078,7 +2078,7 @@
           <a:p>
             <a:fld id="{48A87A34-81AB-432B-8DAE-1953F412C126}" type="datetimeFigureOut">
               <a:rPr lang="en-US" dirty="0"/>
-              <a:t>6/7/2022</a:t>
+              <a:t>6/8/2022</a:t>
             </a:fld>
             <a:endParaRPr lang="en-US" dirty="0"/>
           </a:p>
@@ -2324,7 +2324,7 @@
           <a:p>
             <a:fld id="{48A87A34-81AB-432B-8DAE-1953F412C126}" type="datetimeFigureOut">
               <a:rPr lang="en-US" dirty="0"/>
-              <a:t>6/7/2022</a:t>
+              <a:t>6/8/2022</a:t>
             </a:fld>
             <a:endParaRPr lang="en-US" dirty="0"/>
           </a:p>
@@ -2765,7 +2765,7 @@
             <a:fld id="{48A87A34-81AB-432B-8DAE-1953F412C126}" type="datetimeFigureOut">
               <a:rPr lang="en-US" dirty="0"/>
               <a:pPr/>
-              <a:t>6/7/2022</a:t>
+              <a:t>6/8/2022</a:t>
             </a:fld>
             <a:endParaRPr lang="en-US" dirty="0"/>
           </a:p>
@@ -3088,7 +3088,7 @@
             <a:fld id="{48A87A34-81AB-432B-8DAE-1953F412C126}" type="datetimeFigureOut">
               <a:rPr lang="en-US" dirty="0"/>
               <a:pPr/>
-              <a:t>6/7/2022</a:t>
+              <a:t>6/8/2022</a:t>
             </a:fld>
             <a:endParaRPr lang="en-US" dirty="0"/>
           </a:p>
@@ -3855,109 +3855,6 @@
           </a:p>
         </p:txBody>
       </p:sp>
-      <p:sp>
-        <p:nvSpPr>
-          <p:cNvPr id="4" name="Rectangle 1">
-            <a:extLst>
-              <a:ext uri="{FF2B5EF4-FFF2-40B4-BE49-F238E27FC236}">
-                <a16:creationId xmlns:a16="http://schemas.microsoft.com/office/drawing/2014/main" id="{9E8435D2-EA68-594E-DA4B-FB215B05A91A}"/>
-              </a:ext>
-            </a:extLst>
-          </p:cNvPr>
-          <p:cNvSpPr>
-            <a:spLocks noChangeArrowheads="1"/>
-          </p:cNvSpPr>
-          <p:nvPr/>
-        </p:nvSpPr>
-        <p:spPr bwMode="auto">
-          <a:xfrm>
-            <a:off x="0" y="0"/>
-            <a:ext cx="12192000" cy="457200"/>
-          </a:xfrm>
-          <a:prstGeom prst="rect">
-            <a:avLst/>
-          </a:prstGeom>
-          <a:solidFill>
-            <a:srgbClr val="2B2B2B"/>
-          </a:solidFill>
-          <a:ln>
-            <a:noFill/>
-          </a:ln>
-          <a:effectLst/>
-          <a:extLst>
-            <a:ext uri="{91240B29-F687-4F45-9708-019B960494DF}">
-              <a14:hiddenLine xmlns:a14="http://schemas.microsoft.com/office/drawing/2010/main" w="9525">
-                <a:solidFill>
-                  <a:schemeClr val="tx1"/>
-                </a:solidFill>
-                <a:miter lim="800000"/>
-                <a:headEnd/>
-                <a:tailEnd/>
-              </a14:hiddenLine>
-            </a:ext>
-            <a:ext uri="{AF507438-7753-43E0-B8FC-AC1667EBCBE1}">
-              <a14:hiddenEffects xmlns:a14="http://schemas.microsoft.com/office/drawing/2010/main">
-                <a:effectLst>
-                  <a:outerShdw dist="35921" dir="2700000" algn="ctr" rotWithShape="0">
-                    <a:schemeClr val="bg2"/>
-                  </a:outerShdw>
-                </a:effectLst>
-              </a14:hiddenEffects>
-            </a:ext>
-          </a:extLst>
-        </p:spPr>
-        <p:txBody>
-          <a:bodyPr vert="horz" wrap="none" lIns="91440" tIns="45720" rIns="91440" bIns="45720" numCol="1" anchor="ctr" anchorCtr="0" compatLnSpc="1">
-            <a:prstTxWarp prst="textNoShape">
-              <a:avLst/>
-            </a:prstTxWarp>
-            <a:spAutoFit/>
-          </a:bodyPr>
-          <a:lstStyle/>
-          <a:p>
-            <a:pPr marL="0" marR="0" lvl="0" indent="0" algn="l" defTabSz="914400" rtl="0" eaLnBrk="0" fontAlgn="base" latinLnBrk="0" hangingPunct="0">
-              <a:lnSpc>
-                <a:spcPct val="100000"/>
-              </a:lnSpc>
-              <a:spcBef>
-                <a:spcPct val="0"/>
-              </a:spcBef>
-              <a:spcAft>
-                <a:spcPct val="0"/>
-              </a:spcAft>
-              <a:buClrTx/>
-              <a:buSzTx/>
-              <a:buFontTx/>
-              <a:buNone/>
-              <a:tabLst/>
-            </a:pPr>
-            <a:r>
-              <a:rPr kumimoji="0" lang="zh-CN" altLang="zh-CN" sz="1200" b="0" i="0" u="none" strike="noStrike" cap="none" normalizeH="0" baseline="0">
-                <a:ln>
-                  <a:noFill/>
-                </a:ln>
-                <a:solidFill>
-                  <a:srgbClr val="A9B7C6"/>
-                </a:solidFill>
-                <a:effectLst/>
-                <a:latin typeface="Arial Unicode MS"/>
-                <a:ea typeface="JetBrains Mono"/>
-              </a:rPr>
-              <a:t>DataFrame</a:t>
-            </a:r>
-            <a:endParaRPr kumimoji="0" lang="zh-CN" altLang="zh-CN" sz="1800" b="0" i="0" u="none" strike="noStrike" cap="none" normalizeH="0" baseline="0">
-              <a:ln>
-                <a:noFill/>
-              </a:ln>
-              <a:solidFill>
-                <a:schemeClr val="tx1"/>
-              </a:solidFill>
-              <a:effectLst/>
-              <a:latin typeface="Arial" panose="020B0604020202020204" pitchFamily="34" charset="0"/>
-            </a:endParaRPr>
-          </a:p>
-        </p:txBody>
-      </p:sp>
     </p:spTree>
     <p:extLst>
       <p:ext uri="{BB962C8B-B14F-4D97-AF65-F5344CB8AC3E}">
